--- a/Presentation.pptx
+++ b/Presentation.pptx
@@ -5,16 +5,21 @@
     <p:sldMasterId id="2147483648" r:id="rId4"/>
   </p:sldMasterIdLst>
   <p:notesMasterIdLst>
-    <p:notesMasterId r:id="rId9"/>
+    <p:notesMasterId r:id="rId11"/>
   </p:notesMasterIdLst>
   <p:sldIdLst>
     <p:sldId id="260" r:id="rId5"/>
-    <p:sldId id="261" r:id="rId6"/>
-    <p:sldId id="262" r:id="rId7"/>
-    <p:sldId id="263" r:id="rId8"/>
+    <p:sldId id="263" r:id="rId6"/>
+    <p:sldId id="267" r:id="rId7"/>
+    <p:sldId id="264" r:id="rId8"/>
+    <p:sldId id="266" r:id="rId9"/>
+    <p:sldId id="268" r:id="rId10"/>
   </p:sldIdLst>
   <p:sldSz cx="12192000" cy="6858000"/>
   <p:notesSz cx="6858000" cy="9144000"/>
+  <p:custDataLst>
+    <p:tags r:id="rId12"/>
+  </p:custDataLst>
   <p:defaultTextStyle>
     <a:defPPr>
       <a:defRPr lang="sv-SE"/>
@@ -211,7 +216,7 @@
           <a:p>
             <a:fld id="{458B3470-95F1-4BD9-AFB4-529F3BDC56EE}" type="datetimeFigureOut">
               <a:rPr lang="sv-SE" smtClean="0"/>
-              <a:t>2023-10-25</a:t>
+              <a:t>2023-11-08</a:t>
             </a:fld>
             <a:endParaRPr lang="sv-SE"/>
           </a:p>
@@ -12387,7 +12392,7 @@
         </p:nvSpPr>
         <p:spPr>
           <a:xfrm>
-            <a:off x="3813805" y="1463600"/>
+            <a:off x="4968837" y="1245246"/>
             <a:ext cx="4951209" cy="2346009"/>
           </a:xfrm>
           <a:prstGeom prst="rect">
@@ -12528,7 +12533,7 @@
         </p:blipFill>
         <p:spPr bwMode="auto">
           <a:xfrm>
-            <a:off x="8656087" y="1514006"/>
+            <a:off x="9742038" y="1245246"/>
             <a:ext cx="542064" cy="542064"/>
           </a:xfrm>
           <a:prstGeom prst="rect">
@@ -12585,8 +12590,8 @@
         </p:nvSpPr>
         <p:spPr>
           <a:xfrm>
-            <a:off x="3340918" y="4685430"/>
-            <a:ext cx="5794389" cy="391628"/>
+            <a:off x="3503742" y="4718649"/>
+            <a:ext cx="5440125" cy="391628"/>
           </a:xfrm>
           <a:prstGeom prst="rect">
             <a:avLst/>
@@ -12599,6 +12604,136 @@
           </a:bodyPr>
           <a:lstStyle/>
           <a:p>
+            <a:pPr marL="0" indent="0" algn="ctr">
+              <a:spcBef>
+                <a:spcPts val="600"/>
+              </a:spcBef>
+              <a:buFont typeface="Arial" panose="020B0604020202020204" pitchFamily="34" charset="0"/>
+              <a:buNone/>
+            </a:pPr>
+            <a:r>
+              <a:rPr lang="sv-SE" sz="1600" dirty="0">
+                <a:solidFill>
+                  <a:schemeClr val="bg1"/>
+                </a:solidFill>
+              </a:rPr>
+              <a:t>or How to pick a </a:t>
+            </a:r>
+            <a:r>
+              <a:rPr lang="sv-SE" sz="1600" dirty="0" err="1">
+                <a:solidFill>
+                  <a:schemeClr val="bg1"/>
+                </a:solidFill>
+              </a:rPr>
+              <a:t>subject</a:t>
+            </a:r>
+            <a:r>
+              <a:rPr lang="sv-SE" sz="1600" dirty="0">
+                <a:solidFill>
+                  <a:schemeClr val="bg1"/>
+                </a:solidFill>
+              </a:rPr>
+              <a:t> that </a:t>
+            </a:r>
+            <a:r>
+              <a:rPr lang="sv-SE" sz="1600" dirty="0" err="1">
+                <a:solidFill>
+                  <a:schemeClr val="bg1"/>
+                </a:solidFill>
+              </a:rPr>
+              <a:t>requires</a:t>
+            </a:r>
+            <a:r>
+              <a:rPr lang="sv-SE" sz="1600" dirty="0">
+                <a:solidFill>
+                  <a:schemeClr val="bg1"/>
+                </a:solidFill>
+              </a:rPr>
+              <a:t> </a:t>
+            </a:r>
+            <a:r>
+              <a:rPr lang="sv-SE" sz="1600" dirty="0" err="1">
+                <a:solidFill>
+                  <a:schemeClr val="bg1"/>
+                </a:solidFill>
+              </a:rPr>
+              <a:t>literally</a:t>
+            </a:r>
+            <a:r>
+              <a:rPr lang="sv-SE" sz="1600" dirty="0">
+                <a:solidFill>
+                  <a:schemeClr val="bg1"/>
+                </a:solidFill>
+              </a:rPr>
+              <a:t> no research.</a:t>
+            </a:r>
+          </a:p>
+        </p:txBody>
+      </p:sp>
+      <p:pic>
+        <p:nvPicPr>
+          <p:cNvPr id="2" name="Picture 1" descr="A qr code on a white background&#10;&#10;Description automatically generated">
+            <a:extLst>
+              <a:ext uri="{FF2B5EF4-FFF2-40B4-BE49-F238E27FC236}">
+                <a16:creationId xmlns:a16="http://schemas.microsoft.com/office/drawing/2014/main" id="{B01FFD75-EF93-BBEE-432D-7648ADB67B70}"/>
+              </a:ext>
+            </a:extLst>
+          </p:cNvPr>
+          <p:cNvPicPr>
+            <a:picLocks noChangeAspect="1"/>
+          </p:cNvPicPr>
+          <p:nvPr/>
+        </p:nvPicPr>
+        <p:blipFill>
+          <a:blip r:embed="rId3">
+            <a:extLst>
+              <a:ext uri="{28A0092B-C50C-407E-A947-70E740481C1C}">
+                <a14:useLocalDpi xmlns:a14="http://schemas.microsoft.com/office/drawing/2010/main" val="0"/>
+              </a:ext>
+            </a:extLst>
+          </a:blip>
+          <a:stretch>
+            <a:fillRect/>
+          </a:stretch>
+        </p:blipFill>
+        <p:spPr>
+          <a:xfrm>
+            <a:off x="1527248" y="1151837"/>
+            <a:ext cx="1395432" cy="1395432"/>
+          </a:xfrm>
+          <a:prstGeom prst="rect">
+            <a:avLst/>
+          </a:prstGeom>
+        </p:spPr>
+      </p:pic>
+      <p:sp>
+        <p:nvSpPr>
+          <p:cNvPr id="5" name="TextBox 4">
+            <a:extLst>
+              <a:ext uri="{FF2B5EF4-FFF2-40B4-BE49-F238E27FC236}">
+                <a16:creationId xmlns:a16="http://schemas.microsoft.com/office/drawing/2014/main" id="{BD5E2FF0-5670-FE51-79BA-D504FA0548B0}"/>
+              </a:ext>
+            </a:extLst>
+          </p:cNvPr>
+          <p:cNvSpPr txBox="1"/>
+          <p:nvPr/>
+        </p:nvSpPr>
+        <p:spPr>
+          <a:xfrm>
+            <a:off x="1478469" y="2517192"/>
+            <a:ext cx="2063628" cy="699404"/>
+          </a:xfrm>
+          <a:prstGeom prst="rect">
+            <a:avLst/>
+          </a:prstGeom>
+          <a:noFill/>
+        </p:spPr>
+        <p:txBody>
+          <a:bodyPr wrap="square" lIns="72000" tIns="72000" rIns="72000" bIns="72000" rtlCol="0">
+            <a:spAutoFit/>
+          </a:bodyPr>
+          <a:lstStyle/>
+          <a:p>
             <a:pPr marL="0" indent="0" algn="l">
               <a:spcBef>
                 <a:spcPts val="600"/>
@@ -12607,61 +12742,18 @@
               <a:buNone/>
             </a:pPr>
             <a:r>
-              <a:rPr lang="sv-SE" sz="1600" dirty="0">
+              <a:rPr lang="sv-SE" dirty="0">
                 <a:solidFill>
                   <a:schemeClr val="bg1"/>
                 </a:solidFill>
               </a:rPr>
-              <a:t>eller How to pick a </a:t>
-            </a:r>
-            <a:r>
-              <a:rPr lang="sv-SE" sz="1600" dirty="0" err="1">
-                <a:solidFill>
-                  <a:schemeClr val="bg1"/>
-                </a:solidFill>
-              </a:rPr>
-              <a:t>subject</a:t>
-            </a:r>
-            <a:r>
-              <a:rPr lang="sv-SE" sz="1600" dirty="0">
-                <a:solidFill>
-                  <a:schemeClr val="bg1"/>
-                </a:solidFill>
-              </a:rPr>
-              <a:t> that </a:t>
-            </a:r>
-            <a:r>
-              <a:rPr lang="sv-SE" sz="1600" dirty="0" err="1">
-                <a:solidFill>
-                  <a:schemeClr val="bg1"/>
-                </a:solidFill>
-              </a:rPr>
-              <a:t>requires</a:t>
-            </a:r>
-            <a:r>
-              <a:rPr lang="sv-SE" sz="1600" dirty="0">
-                <a:solidFill>
-                  <a:schemeClr val="bg1"/>
-                </a:solidFill>
-              </a:rPr>
-              <a:t> </a:t>
-            </a:r>
-            <a:r>
-              <a:rPr lang="sv-SE" sz="1600" dirty="0" err="1">
-                <a:solidFill>
-                  <a:schemeClr val="bg1"/>
-                </a:solidFill>
-              </a:rPr>
-              <a:t>literally</a:t>
-            </a:r>
-            <a:r>
-              <a:rPr lang="sv-SE" sz="1600" dirty="0">
-                <a:solidFill>
-                  <a:schemeClr val="bg1"/>
-                </a:solidFill>
-              </a:rPr>
-              <a:t> no research?</a:t>
-            </a:r>
+              <a:t>Vad ska vi prata om?</a:t>
+            </a:r>
+            <a:endParaRPr lang="sv-SE" sz="1800" dirty="0">
+              <a:solidFill>
+                <a:schemeClr val="bg1"/>
+              </a:solidFill>
+            </a:endParaRPr>
           </a:p>
         </p:txBody>
       </p:sp>
@@ -12697,65 +12789,10 @@
       </p:grpSpPr>
       <p:sp>
         <p:nvSpPr>
-          <p:cNvPr id="3" name="Underrubrik 2">
-            <a:extLst>
-              <a:ext uri="{FF2B5EF4-FFF2-40B4-BE49-F238E27FC236}">
-                <a16:creationId xmlns:a16="http://schemas.microsoft.com/office/drawing/2014/main" id="{1E5FA797-6870-AF2C-4344-5A55224776AE}"/>
-              </a:ext>
-            </a:extLst>
-          </p:cNvPr>
-          <p:cNvSpPr>
-            <a:spLocks noGrp="1"/>
-          </p:cNvSpPr>
-          <p:nvPr>
-            <p:ph type="subTitle" idx="16"/>
-          </p:nvPr>
-        </p:nvSpPr>
-        <p:spPr/>
-        <p:txBody>
-          <a:bodyPr/>
-          <a:lstStyle/>
-          <a:p>
-            <a:endParaRPr lang="sv-SE"/>
-          </a:p>
-        </p:txBody>
-      </p:sp>
-      <p:pic>
-        <p:nvPicPr>
-          <p:cNvPr id="6" name="Bildobjekt 5">
-            <a:extLst>
-              <a:ext uri="{FF2B5EF4-FFF2-40B4-BE49-F238E27FC236}">
-                <a16:creationId xmlns:a16="http://schemas.microsoft.com/office/drawing/2014/main" id="{D4AA0016-CE5B-2B4E-09F1-D0A72BA9D10A}"/>
-              </a:ext>
-            </a:extLst>
-          </p:cNvPr>
-          <p:cNvPicPr>
-            <a:picLocks noChangeAspect="1"/>
-          </p:cNvPicPr>
-          <p:nvPr/>
-        </p:nvPicPr>
-        <p:blipFill>
-          <a:blip r:embed="rId2"/>
-          <a:stretch>
-            <a:fillRect/>
-          </a:stretch>
-        </p:blipFill>
-        <p:spPr>
-          <a:xfrm>
-            <a:off x="3094723" y="1305916"/>
-            <a:ext cx="6678012" cy="4868084"/>
-          </a:xfrm>
-          <a:prstGeom prst="rect">
-            <a:avLst/>
-          </a:prstGeom>
-        </p:spPr>
-      </p:pic>
-      <p:sp>
-        <p:nvSpPr>
-          <p:cNvPr id="8" name="Rubrik 7">
-            <a:extLst>
-              <a:ext uri="{FF2B5EF4-FFF2-40B4-BE49-F238E27FC236}">
-                <a16:creationId xmlns:a16="http://schemas.microsoft.com/office/drawing/2014/main" id="{EEBD67FE-6BD1-BEAD-8212-96A598139997}"/>
+          <p:cNvPr id="2" name="Rubrik 1">
+            <a:extLst>
+              <a:ext uri="{FF2B5EF4-FFF2-40B4-BE49-F238E27FC236}">
+                <a16:creationId xmlns:a16="http://schemas.microsoft.com/office/drawing/2014/main" id="{EDF28B9A-5808-9694-765D-C6FC144E4DAB}"/>
               </a:ext>
             </a:extLst>
           </p:cNvPr>
@@ -12771,62 +12808,14 @@
           <a:bodyPr/>
           <a:lstStyle/>
           <a:p>
-            <a:endParaRPr lang="sv-SE"/>
-          </a:p>
-        </p:txBody>
-      </p:sp>
-    </p:spTree>
-    <p:extLst>
-      <p:ext uri="{BB962C8B-B14F-4D97-AF65-F5344CB8AC3E}">
-        <p14:creationId xmlns:p14="http://schemas.microsoft.com/office/powerpoint/2010/main" val="1876728921"/>
-      </p:ext>
-    </p:extLst>
-  </p:cSld>
-  <p:clrMapOvr>
-    <a:masterClrMapping/>
-  </p:clrMapOvr>
-</p:sld>
-</file>
-
-<file path=ppt/slides/slide3.xml><?xml version="1.0" encoding="utf-8"?>
-<p:sld xmlns:a="http://schemas.openxmlformats.org/drawingml/2006/main" xmlns:r="http://schemas.openxmlformats.org/officeDocument/2006/relationships" xmlns:p="http://schemas.openxmlformats.org/presentationml/2006/main">
-  <p:cSld>
-    <p:spTree>
-      <p:nvGrpSpPr>
-        <p:cNvPr id="1" name=""/>
-        <p:cNvGrpSpPr/>
-        <p:nvPr/>
-      </p:nvGrpSpPr>
-      <p:grpSpPr>
-        <a:xfrm>
-          <a:off x="0" y="0"/>
-          <a:ext cx="0" cy="0"/>
-          <a:chOff x="0" y="0"/>
-          <a:chExt cx="0" cy="0"/>
-        </a:xfrm>
-      </p:grpSpPr>
-      <p:sp>
-        <p:nvSpPr>
-          <p:cNvPr id="2" name="Rubrik 1">
-            <a:extLst>
-              <a:ext uri="{FF2B5EF4-FFF2-40B4-BE49-F238E27FC236}">
-                <a16:creationId xmlns:a16="http://schemas.microsoft.com/office/drawing/2014/main" id="{8153F0F4-07BF-A8BD-B4DC-98D46E94F6FC}"/>
-              </a:ext>
-            </a:extLst>
-          </p:cNvPr>
-          <p:cNvSpPr>
-            <a:spLocks noGrp="1"/>
-          </p:cNvSpPr>
-          <p:nvPr>
-            <p:ph type="title"/>
-          </p:nvPr>
-        </p:nvSpPr>
-        <p:spPr/>
-        <p:txBody>
-          <a:bodyPr/>
-          <a:lstStyle/>
-          <a:p>
-            <a:endParaRPr lang="sv-SE"/>
+            <a:r>
+              <a:rPr lang="sv-SE" dirty="0" err="1"/>
+              <a:t>Here’s</a:t>
+            </a:r>
+            <a:r>
+              <a:rPr lang="sv-SE" dirty="0"/>
+              <a:t> Johnny</a:t>
+            </a:r>
           </a:p>
         </p:txBody>
       </p:sp>
@@ -12835,7 +12824,7 @@
           <p:cNvPr id="3" name="Platshållare för sidfot 2">
             <a:extLst>
               <a:ext uri="{FF2B5EF4-FFF2-40B4-BE49-F238E27FC236}">
-                <a16:creationId xmlns:a16="http://schemas.microsoft.com/office/drawing/2014/main" id="{24D6CB66-8393-E501-4E87-6073CDE90B72}"/>
+                <a16:creationId xmlns:a16="http://schemas.microsoft.com/office/drawing/2014/main" id="{8DF6D7C9-E380-3488-A8A8-4D972FE7B9EE}"/>
               </a:ext>
             </a:extLst>
           </p:cNvPr>
@@ -12863,7 +12852,7 @@
           <p:cNvPr id="4" name="Platshållare för bildnummer 3">
             <a:extLst>
               <a:ext uri="{FF2B5EF4-FFF2-40B4-BE49-F238E27FC236}">
-                <a16:creationId xmlns:a16="http://schemas.microsoft.com/office/drawing/2014/main" id="{8543AF38-9FA2-CD59-CDBD-341B84D96146}"/>
+                <a16:creationId xmlns:a16="http://schemas.microsoft.com/office/drawing/2014/main" id="{3DD566CF-A26B-15D5-3238-E6193FE6496A}"/>
               </a:ext>
             </a:extLst>
           </p:cNvPr>
@@ -12882,175 +12871,7 @@
             <a:fld id="{89578386-84DA-45F9-ABB1-FE09AA2697D8}" type="slidenum">
               <a:rPr lang="sv-SE" smtClean="0"/>
               <a:pPr/>
-              <a:t>3</a:t>
-            </a:fld>
-            <a:endParaRPr lang="sv-SE"/>
-          </a:p>
-        </p:txBody>
-      </p:sp>
-      <p:sp>
-        <p:nvSpPr>
-          <p:cNvPr id="5" name="Underrubrik 4">
-            <a:extLst>
-              <a:ext uri="{FF2B5EF4-FFF2-40B4-BE49-F238E27FC236}">
-                <a16:creationId xmlns:a16="http://schemas.microsoft.com/office/drawing/2014/main" id="{12D564D7-B096-64C5-A82B-FA0789B4370B}"/>
-              </a:ext>
-            </a:extLst>
-          </p:cNvPr>
-          <p:cNvSpPr>
-            <a:spLocks noGrp="1"/>
-          </p:cNvSpPr>
-          <p:nvPr>
-            <p:ph type="subTitle" idx="16"/>
-          </p:nvPr>
-        </p:nvSpPr>
-        <p:spPr/>
-        <p:txBody>
-          <a:bodyPr/>
-          <a:lstStyle/>
-          <a:p>
-            <a:endParaRPr lang="sv-SE"/>
-          </a:p>
-        </p:txBody>
-      </p:sp>
-      <p:pic>
-        <p:nvPicPr>
-          <p:cNvPr id="9" name="Bildobjekt 8">
-            <a:extLst>
-              <a:ext uri="{FF2B5EF4-FFF2-40B4-BE49-F238E27FC236}">
-                <a16:creationId xmlns:a16="http://schemas.microsoft.com/office/drawing/2014/main" id="{55337F25-DE98-D3A9-6309-65D8C0019155}"/>
-              </a:ext>
-            </a:extLst>
-          </p:cNvPr>
-          <p:cNvPicPr>
-            <a:picLocks noChangeAspect="1"/>
-          </p:cNvPicPr>
-          <p:nvPr/>
-        </p:nvPicPr>
-        <p:blipFill>
-          <a:blip r:embed="rId2"/>
-          <a:stretch>
-            <a:fillRect/>
-          </a:stretch>
-        </p:blipFill>
-        <p:spPr>
-          <a:xfrm>
-            <a:off x="4186989" y="580627"/>
-            <a:ext cx="4286848" cy="5696745"/>
-          </a:xfrm>
-          <a:prstGeom prst="rect">
-            <a:avLst/>
-          </a:prstGeom>
-        </p:spPr>
-      </p:pic>
-    </p:spTree>
-    <p:extLst>
-      <p:ext uri="{BB962C8B-B14F-4D97-AF65-F5344CB8AC3E}">
-        <p14:creationId xmlns:p14="http://schemas.microsoft.com/office/powerpoint/2010/main" val="403699909"/>
-      </p:ext>
-    </p:extLst>
-  </p:cSld>
-  <p:clrMapOvr>
-    <a:masterClrMapping/>
-  </p:clrMapOvr>
-</p:sld>
-</file>
-
-<file path=ppt/slides/slide4.xml><?xml version="1.0" encoding="utf-8"?>
-<p:sld xmlns:a="http://schemas.openxmlformats.org/drawingml/2006/main" xmlns:r="http://schemas.openxmlformats.org/officeDocument/2006/relationships" xmlns:p="http://schemas.openxmlformats.org/presentationml/2006/main">
-  <p:cSld>
-    <p:spTree>
-      <p:nvGrpSpPr>
-        <p:cNvPr id="1" name=""/>
-        <p:cNvGrpSpPr/>
-        <p:nvPr/>
-      </p:nvGrpSpPr>
-      <p:grpSpPr>
-        <a:xfrm>
-          <a:off x="0" y="0"/>
-          <a:ext cx="0" cy="0"/>
-          <a:chOff x="0" y="0"/>
-          <a:chExt cx="0" cy="0"/>
-        </a:xfrm>
-      </p:grpSpPr>
-      <p:sp>
-        <p:nvSpPr>
-          <p:cNvPr id="2" name="Rubrik 1">
-            <a:extLst>
-              <a:ext uri="{FF2B5EF4-FFF2-40B4-BE49-F238E27FC236}">
-                <a16:creationId xmlns:a16="http://schemas.microsoft.com/office/drawing/2014/main" id="{EDF28B9A-5808-9694-765D-C6FC144E4DAB}"/>
-              </a:ext>
-            </a:extLst>
-          </p:cNvPr>
-          <p:cNvSpPr>
-            <a:spLocks noGrp="1"/>
-          </p:cNvSpPr>
-          <p:nvPr>
-            <p:ph type="title"/>
-          </p:nvPr>
-        </p:nvSpPr>
-        <p:spPr/>
-        <p:txBody>
-          <a:bodyPr/>
-          <a:lstStyle/>
-          <a:p>
-            <a:endParaRPr lang="sv-SE"/>
-          </a:p>
-        </p:txBody>
-      </p:sp>
-      <p:sp>
-        <p:nvSpPr>
-          <p:cNvPr id="3" name="Platshållare för sidfot 2">
-            <a:extLst>
-              <a:ext uri="{FF2B5EF4-FFF2-40B4-BE49-F238E27FC236}">
-                <a16:creationId xmlns:a16="http://schemas.microsoft.com/office/drawing/2014/main" id="{8DF6D7C9-E380-3488-A8A8-4D972FE7B9EE}"/>
-              </a:ext>
-            </a:extLst>
-          </p:cNvPr>
-          <p:cNvSpPr>
-            <a:spLocks noGrp="1"/>
-          </p:cNvSpPr>
-          <p:nvPr>
-            <p:ph type="ftr" sz="quarter" idx="10"/>
-          </p:nvPr>
-        </p:nvSpPr>
-        <p:spPr/>
-        <p:txBody>
-          <a:bodyPr/>
-          <a:lstStyle/>
-          <a:p>
-            <a:r>
-              <a:rPr lang="sv-SE"/>
-              <a:t>Namn på presentationen</a:t>
-            </a:r>
-          </a:p>
-        </p:txBody>
-      </p:sp>
-      <p:sp>
-        <p:nvSpPr>
-          <p:cNvPr id="4" name="Platshållare för bildnummer 3">
-            <a:extLst>
-              <a:ext uri="{FF2B5EF4-FFF2-40B4-BE49-F238E27FC236}">
-                <a16:creationId xmlns:a16="http://schemas.microsoft.com/office/drawing/2014/main" id="{3DD566CF-A26B-15D5-3238-E6193FE6496A}"/>
-              </a:ext>
-            </a:extLst>
-          </p:cNvPr>
-          <p:cNvSpPr>
-            <a:spLocks noGrp="1"/>
-          </p:cNvSpPr>
-          <p:nvPr>
-            <p:ph type="sldNum" sz="quarter" idx="11"/>
-          </p:nvPr>
-        </p:nvSpPr>
-        <p:spPr/>
-        <p:txBody>
-          <a:bodyPr/>
-          <a:lstStyle/>
-          <a:p>
-            <a:fld id="{89578386-84DA-45F9-ABB1-FE09AA2697D8}" type="slidenum">
-              <a:rPr lang="sv-SE" smtClean="0"/>
-              <a:pPr/>
-              <a:t>4</a:t>
+              <a:t>2</a:t>
             </a:fld>
             <a:endParaRPr lang="sv-SE"/>
           </a:p>
@@ -13122,6 +12943,1700 @@
     <a:masterClrMapping/>
   </p:clrMapOvr>
 </p:sld>
+</file>
+
+<file path=ppt/slides/slide3.xml><?xml version="1.0" encoding="utf-8"?>
+<p:sld xmlns:a="http://schemas.openxmlformats.org/drawingml/2006/main" xmlns:r="http://schemas.openxmlformats.org/officeDocument/2006/relationships" xmlns:p="http://schemas.openxmlformats.org/presentationml/2006/main">
+  <p:cSld>
+    <p:spTree>
+      <p:nvGrpSpPr>
+        <p:cNvPr id="1" name=""/>
+        <p:cNvGrpSpPr/>
+        <p:nvPr/>
+      </p:nvGrpSpPr>
+      <p:grpSpPr>
+        <a:xfrm>
+          <a:off x="0" y="0"/>
+          <a:ext cx="0" cy="0"/>
+          <a:chOff x="0" y="0"/>
+          <a:chExt cx="0" cy="0"/>
+        </a:xfrm>
+      </p:grpSpPr>
+      <p:sp>
+        <p:nvSpPr>
+          <p:cNvPr id="3" name="textruta 2">
+            <a:extLst>
+              <a:ext uri="{FF2B5EF4-FFF2-40B4-BE49-F238E27FC236}">
+                <a16:creationId xmlns:a16="http://schemas.microsoft.com/office/drawing/2014/main" id="{6CD91A06-1049-83F2-831E-FA70A6152826}"/>
+              </a:ext>
+            </a:extLst>
+          </p:cNvPr>
+          <p:cNvSpPr txBox="1"/>
+          <p:nvPr/>
+        </p:nvSpPr>
+        <p:spPr>
+          <a:xfrm>
+            <a:off x="904354" y="3524361"/>
+            <a:ext cx="10770110" cy="1161069"/>
+          </a:xfrm>
+          <a:prstGeom prst="rect">
+            <a:avLst/>
+          </a:prstGeom>
+          <a:noFill/>
+        </p:spPr>
+        <p:txBody>
+          <a:bodyPr wrap="none" lIns="72000" tIns="72000" rIns="72000" bIns="72000" rtlCol="0">
+            <a:spAutoFit/>
+          </a:bodyPr>
+          <a:lstStyle/>
+          <a:p>
+            <a:pPr marL="0" indent="0" algn="l">
+              <a:spcBef>
+                <a:spcPts val="600"/>
+              </a:spcBef>
+              <a:buFont typeface="Arial" panose="020B0604020202020204" pitchFamily="34" charset="0"/>
+              <a:buNone/>
+            </a:pPr>
+            <a:r>
+              <a:rPr lang="sv-SE" sz="6600" dirty="0" err="1">
+                <a:solidFill>
+                  <a:schemeClr val="bg1"/>
+                </a:solidFill>
+              </a:rPr>
+              <a:t>What’s</a:t>
+            </a:r>
+            <a:r>
+              <a:rPr lang="sv-SE" sz="6600" dirty="0">
+                <a:solidFill>
+                  <a:schemeClr val="bg1"/>
+                </a:solidFill>
+              </a:rPr>
+              <a:t> new in .Net 8/C# 12?</a:t>
+            </a:r>
+          </a:p>
+        </p:txBody>
+      </p:sp>
+      <p:sp>
+        <p:nvSpPr>
+          <p:cNvPr id="4" name="textruta 3">
+            <a:extLst>
+              <a:ext uri="{FF2B5EF4-FFF2-40B4-BE49-F238E27FC236}">
+                <a16:creationId xmlns:a16="http://schemas.microsoft.com/office/drawing/2014/main" id="{7794425D-2A46-2F8A-D47D-F24866AA2119}"/>
+              </a:ext>
+            </a:extLst>
+          </p:cNvPr>
+          <p:cNvSpPr txBox="1"/>
+          <p:nvPr/>
+        </p:nvSpPr>
+        <p:spPr>
+          <a:xfrm>
+            <a:off x="4968837" y="1245246"/>
+            <a:ext cx="4951209" cy="2346009"/>
+          </a:xfrm>
+          <a:prstGeom prst="rect">
+            <a:avLst/>
+          </a:prstGeom>
+          <a:noFill/>
+        </p:spPr>
+        <p:txBody>
+          <a:bodyPr wrap="none" lIns="72000" tIns="72000" rIns="72000" bIns="72000" rtlCol="0">
+            <a:spAutoFit/>
+          </a:bodyPr>
+          <a:lstStyle/>
+          <a:p>
+            <a:pPr marL="0" indent="0" algn="l">
+              <a:spcBef>
+                <a:spcPts val="600"/>
+              </a:spcBef>
+              <a:buFont typeface="Arial" panose="020B0604020202020204" pitchFamily="34" charset="0"/>
+              <a:buNone/>
+            </a:pPr>
+            <a:r>
+              <a:rPr lang="sv-SE" sz="3200" dirty="0">
+                <a:solidFill>
+                  <a:schemeClr val="bg1"/>
+                </a:solidFill>
+              </a:rPr>
+              <a:t>Martin Camitz, Stockholm </a:t>
+            </a:r>
+          </a:p>
+          <a:p>
+            <a:pPr marL="0" indent="0" algn="l">
+              <a:spcBef>
+                <a:spcPts val="600"/>
+              </a:spcBef>
+              <a:buFont typeface="Arial" panose="020B0604020202020204" pitchFamily="34" charset="0"/>
+              <a:buNone/>
+            </a:pPr>
+            <a:r>
+              <a:rPr lang="sv-SE" sz="3200" dirty="0" err="1">
+                <a:solidFill>
+                  <a:schemeClr val="bg1"/>
+                </a:solidFill>
+              </a:rPr>
+              <a:t>Semyon</a:t>
+            </a:r>
+            <a:r>
+              <a:rPr lang="sv-SE" sz="3200" dirty="0">
+                <a:solidFill>
+                  <a:schemeClr val="bg1"/>
+                </a:solidFill>
+              </a:rPr>
+              <a:t> Weibull, Umeå</a:t>
+            </a:r>
+          </a:p>
+          <a:p>
+            <a:pPr marL="0" indent="0" algn="l">
+              <a:spcBef>
+                <a:spcPts val="600"/>
+              </a:spcBef>
+              <a:buFont typeface="Arial" panose="020B0604020202020204" pitchFamily="34" charset="0"/>
+              <a:buNone/>
+            </a:pPr>
+            <a:r>
+              <a:rPr lang="sv-SE" sz="3200" dirty="0" err="1">
+                <a:solidFill>
+                  <a:schemeClr val="bg1"/>
+                </a:solidFill>
+              </a:rPr>
+              <a:t>Johhny</a:t>
+            </a:r>
+            <a:r>
+              <a:rPr lang="sv-SE" sz="3200" dirty="0">
+                <a:solidFill>
+                  <a:schemeClr val="bg1"/>
+                </a:solidFill>
+              </a:rPr>
+              <a:t> </a:t>
+            </a:r>
+            <a:r>
+              <a:rPr lang="sv-SE" sz="3200" dirty="0" err="1">
+                <a:solidFill>
+                  <a:schemeClr val="bg1"/>
+                </a:solidFill>
+              </a:rPr>
+              <a:t>Hooyberghs</a:t>
+            </a:r>
+            <a:r>
+              <a:rPr lang="sv-SE" sz="3200" dirty="0">
+                <a:solidFill>
+                  <a:schemeClr val="bg1"/>
+                </a:solidFill>
+              </a:rPr>
+              <a:t>, ??</a:t>
+            </a:r>
+          </a:p>
+          <a:p>
+            <a:pPr marL="0" indent="0" algn="l">
+              <a:spcBef>
+                <a:spcPts val="600"/>
+              </a:spcBef>
+              <a:buFont typeface="Arial" panose="020B0604020202020204" pitchFamily="34" charset="0"/>
+              <a:buNone/>
+            </a:pPr>
+            <a:endParaRPr lang="sv-SE" sz="3200" dirty="0">
+              <a:solidFill>
+                <a:schemeClr val="bg1"/>
+              </a:solidFill>
+            </a:endParaRPr>
+          </a:p>
+        </p:txBody>
+      </p:sp>
+      <p:pic>
+        <p:nvPicPr>
+          <p:cNvPr id="14" name="Picture 2" descr=":avocado:">
+            <a:extLst>
+              <a:ext uri="{FF2B5EF4-FFF2-40B4-BE49-F238E27FC236}">
+                <a16:creationId xmlns:a16="http://schemas.microsoft.com/office/drawing/2014/main" id="{6A4EEFAD-F110-E819-6562-2FC396A78226}"/>
+              </a:ext>
+            </a:extLst>
+          </p:cNvPr>
+          <p:cNvPicPr>
+            <a:picLocks noChangeAspect="1" noChangeArrowheads="1"/>
+          </p:cNvPicPr>
+          <p:nvPr/>
+        </p:nvPicPr>
+        <p:blipFill>
+          <a:blip r:embed="rId2">
+            <a:extLst>
+              <a:ext uri="{28A0092B-C50C-407E-A947-70E740481C1C}">
+                <a14:useLocalDpi xmlns:a14="http://schemas.microsoft.com/office/drawing/2010/main" val="0"/>
+              </a:ext>
+            </a:extLst>
+          </a:blip>
+          <a:srcRect/>
+          <a:stretch>
+            <a:fillRect/>
+          </a:stretch>
+        </p:blipFill>
+        <p:spPr bwMode="auto">
+          <a:xfrm>
+            <a:off x="9742038" y="1245246"/>
+            <a:ext cx="542064" cy="542064"/>
+          </a:xfrm>
+          <a:prstGeom prst="rect">
+            <a:avLst/>
+          </a:prstGeom>
+          <a:noFill/>
+          <a:extLst>
+            <a:ext uri="{909E8E84-426E-40DD-AFC4-6F175D3DCCD1}">
+              <a14:hiddenFill xmlns:a14="http://schemas.microsoft.com/office/drawing/2010/main">
+                <a:solidFill>
+                  <a:srgbClr val="FFFFFF"/>
+                </a:solidFill>
+              </a14:hiddenFill>
+            </a:ext>
+          </a:extLst>
+        </p:spPr>
+      </p:pic>
+      <p:sp>
+        <p:nvSpPr>
+          <p:cNvPr id="18" name="Underrubrik 17">
+            <a:extLst>
+              <a:ext uri="{FF2B5EF4-FFF2-40B4-BE49-F238E27FC236}">
+                <a16:creationId xmlns:a16="http://schemas.microsoft.com/office/drawing/2014/main" id="{B0E044ED-7EF6-F239-0107-3CE04F89D051}"/>
+              </a:ext>
+            </a:extLst>
+          </p:cNvPr>
+          <p:cNvSpPr>
+            <a:spLocks noGrp="1"/>
+          </p:cNvSpPr>
+          <p:nvPr>
+            <p:ph type="subTitle" idx="16"/>
+          </p:nvPr>
+        </p:nvSpPr>
+        <p:spPr/>
+        <p:txBody>
+          <a:bodyPr/>
+          <a:lstStyle/>
+          <a:p>
+            <a:endParaRPr lang="sv-SE"/>
+          </a:p>
+        </p:txBody>
+      </p:sp>
+      <p:sp>
+        <p:nvSpPr>
+          <p:cNvPr id="19" name="textruta 18">
+            <a:extLst>
+              <a:ext uri="{FF2B5EF4-FFF2-40B4-BE49-F238E27FC236}">
+                <a16:creationId xmlns:a16="http://schemas.microsoft.com/office/drawing/2014/main" id="{39F18301-C580-DD21-7D7A-D836F7CEC7F6}"/>
+              </a:ext>
+            </a:extLst>
+          </p:cNvPr>
+          <p:cNvSpPr txBox="1"/>
+          <p:nvPr/>
+        </p:nvSpPr>
+        <p:spPr>
+          <a:xfrm>
+            <a:off x="2080276" y="4718649"/>
+            <a:ext cx="8287059" cy="714793"/>
+          </a:xfrm>
+          <a:prstGeom prst="rect">
+            <a:avLst/>
+          </a:prstGeom>
+          <a:noFill/>
+        </p:spPr>
+        <p:txBody>
+          <a:bodyPr wrap="none" lIns="72000" tIns="72000" rIns="72000" bIns="72000" rtlCol="0">
+            <a:spAutoFit/>
+          </a:bodyPr>
+          <a:lstStyle/>
+          <a:p>
+            <a:pPr marL="0" indent="0" algn="ctr">
+              <a:spcBef>
+                <a:spcPts val="600"/>
+              </a:spcBef>
+              <a:buFont typeface="Arial" panose="020B0604020202020204" pitchFamily="34" charset="0"/>
+              <a:buNone/>
+            </a:pPr>
+            <a:r>
+              <a:rPr lang="sv-SE" sz="1600" dirty="0">
+                <a:solidFill>
+                  <a:schemeClr val="bg1"/>
+                </a:solidFill>
+              </a:rPr>
+              <a:t>or How to pick a </a:t>
+            </a:r>
+            <a:r>
+              <a:rPr lang="sv-SE" sz="1600" dirty="0" err="1">
+                <a:solidFill>
+                  <a:schemeClr val="bg1"/>
+                </a:solidFill>
+              </a:rPr>
+              <a:t>subject</a:t>
+            </a:r>
+            <a:r>
+              <a:rPr lang="sv-SE" sz="1600" dirty="0">
+                <a:solidFill>
+                  <a:schemeClr val="bg1"/>
+                </a:solidFill>
+              </a:rPr>
+              <a:t> that </a:t>
+            </a:r>
+            <a:r>
+              <a:rPr lang="sv-SE" sz="1600" dirty="0" err="1">
+                <a:solidFill>
+                  <a:schemeClr val="bg1"/>
+                </a:solidFill>
+              </a:rPr>
+              <a:t>requires</a:t>
+            </a:r>
+            <a:r>
+              <a:rPr lang="sv-SE" sz="1600" dirty="0">
+                <a:solidFill>
+                  <a:schemeClr val="bg1"/>
+                </a:solidFill>
+              </a:rPr>
+              <a:t> </a:t>
+            </a:r>
+            <a:r>
+              <a:rPr lang="sv-SE" sz="1600" dirty="0" err="1">
+                <a:solidFill>
+                  <a:schemeClr val="bg1"/>
+                </a:solidFill>
+              </a:rPr>
+              <a:t>literally</a:t>
+            </a:r>
+            <a:r>
+              <a:rPr lang="sv-SE" sz="1600" dirty="0">
+                <a:solidFill>
+                  <a:schemeClr val="bg1"/>
+                </a:solidFill>
+              </a:rPr>
+              <a:t> no research.</a:t>
+            </a:r>
+          </a:p>
+          <a:p>
+            <a:pPr marL="0" indent="0" algn="l">
+              <a:spcBef>
+                <a:spcPts val="600"/>
+              </a:spcBef>
+              <a:buFont typeface="Arial" panose="020B0604020202020204" pitchFamily="34" charset="0"/>
+              <a:buNone/>
+            </a:pPr>
+            <a:r>
+              <a:rPr lang="sv-SE" sz="1600" dirty="0">
+                <a:solidFill>
+                  <a:schemeClr val="bg1"/>
+                </a:solidFill>
+              </a:rPr>
+              <a:t>or How to </a:t>
+            </a:r>
+            <a:r>
+              <a:rPr lang="sv-SE" sz="1600" dirty="0" err="1">
+                <a:solidFill>
+                  <a:schemeClr val="bg1"/>
+                </a:solidFill>
+              </a:rPr>
+              <a:t>fool</a:t>
+            </a:r>
+            <a:r>
+              <a:rPr lang="sv-SE" sz="1600" dirty="0">
+                <a:solidFill>
+                  <a:schemeClr val="bg1"/>
+                </a:solidFill>
+              </a:rPr>
+              <a:t> </a:t>
+            </a:r>
+            <a:r>
+              <a:rPr lang="sv-SE" sz="1600" dirty="0" err="1">
+                <a:solidFill>
+                  <a:schemeClr val="bg1"/>
+                </a:solidFill>
+              </a:rPr>
+              <a:t>yourself</a:t>
+            </a:r>
+            <a:r>
+              <a:rPr lang="sv-SE" sz="1600" dirty="0">
+                <a:solidFill>
+                  <a:schemeClr val="bg1"/>
+                </a:solidFill>
+              </a:rPr>
+              <a:t> </a:t>
+            </a:r>
+            <a:r>
+              <a:rPr lang="sv-SE" sz="1600" dirty="0" err="1">
+                <a:solidFill>
+                  <a:schemeClr val="bg1"/>
+                </a:solidFill>
+              </a:rPr>
+              <a:t>into</a:t>
+            </a:r>
+            <a:r>
+              <a:rPr lang="sv-SE" sz="1600" dirty="0">
+                <a:solidFill>
+                  <a:schemeClr val="bg1"/>
+                </a:solidFill>
+              </a:rPr>
+              <a:t> </a:t>
+            </a:r>
+            <a:r>
+              <a:rPr lang="sv-SE" sz="1600" dirty="0" err="1">
+                <a:solidFill>
+                  <a:schemeClr val="bg1"/>
+                </a:solidFill>
+              </a:rPr>
+              <a:t>picking</a:t>
+            </a:r>
+            <a:r>
+              <a:rPr lang="sv-SE" sz="1600" dirty="0">
+                <a:solidFill>
+                  <a:schemeClr val="bg1"/>
+                </a:solidFill>
+              </a:rPr>
+              <a:t> a </a:t>
+            </a:r>
+            <a:r>
+              <a:rPr lang="sv-SE" sz="1600" dirty="0" err="1">
+                <a:solidFill>
+                  <a:schemeClr val="bg1"/>
+                </a:solidFill>
+              </a:rPr>
+              <a:t>subject</a:t>
+            </a:r>
+            <a:r>
+              <a:rPr lang="sv-SE" sz="1600" dirty="0">
+                <a:solidFill>
+                  <a:schemeClr val="bg1"/>
+                </a:solidFill>
+              </a:rPr>
+              <a:t> </a:t>
+            </a:r>
+            <a:r>
+              <a:rPr lang="sv-SE" sz="1600" dirty="0" err="1">
+                <a:solidFill>
+                  <a:schemeClr val="bg1"/>
+                </a:solidFill>
+              </a:rPr>
+              <a:t>thinking</a:t>
+            </a:r>
+            <a:r>
+              <a:rPr lang="sv-SE" sz="1600" dirty="0">
+                <a:solidFill>
+                  <a:schemeClr val="bg1"/>
+                </a:solidFill>
+              </a:rPr>
+              <a:t> it would </a:t>
+            </a:r>
+            <a:r>
+              <a:rPr lang="sv-SE" sz="1600" dirty="0" err="1">
+                <a:solidFill>
+                  <a:schemeClr val="bg1"/>
+                </a:solidFill>
+              </a:rPr>
+              <a:t>require</a:t>
+            </a:r>
+            <a:r>
+              <a:rPr lang="sv-SE" sz="1600" dirty="0">
+                <a:solidFill>
+                  <a:schemeClr val="bg1"/>
+                </a:solidFill>
+              </a:rPr>
+              <a:t> </a:t>
+            </a:r>
+            <a:r>
+              <a:rPr lang="sv-SE" sz="1600" dirty="0" err="1">
+                <a:solidFill>
+                  <a:schemeClr val="bg1"/>
+                </a:solidFill>
+              </a:rPr>
+              <a:t>literally</a:t>
+            </a:r>
+            <a:r>
+              <a:rPr lang="sv-SE" sz="1600" dirty="0">
+                <a:solidFill>
+                  <a:schemeClr val="bg1"/>
+                </a:solidFill>
+              </a:rPr>
+              <a:t> no research.</a:t>
+            </a:r>
+          </a:p>
+        </p:txBody>
+      </p:sp>
+      <p:pic>
+        <p:nvPicPr>
+          <p:cNvPr id="2" name="Picture 1" descr="A qr code on a white background&#10;&#10;Description automatically generated">
+            <a:extLst>
+              <a:ext uri="{FF2B5EF4-FFF2-40B4-BE49-F238E27FC236}">
+                <a16:creationId xmlns:a16="http://schemas.microsoft.com/office/drawing/2014/main" id="{B01FFD75-EF93-BBEE-432D-7648ADB67B70}"/>
+              </a:ext>
+            </a:extLst>
+          </p:cNvPr>
+          <p:cNvPicPr>
+            <a:picLocks noChangeAspect="1"/>
+          </p:cNvPicPr>
+          <p:nvPr/>
+        </p:nvPicPr>
+        <p:blipFill>
+          <a:blip r:embed="rId3">
+            <a:extLst>
+              <a:ext uri="{28A0092B-C50C-407E-A947-70E740481C1C}">
+                <a14:useLocalDpi xmlns:a14="http://schemas.microsoft.com/office/drawing/2010/main" val="0"/>
+              </a:ext>
+            </a:extLst>
+          </a:blip>
+          <a:stretch>
+            <a:fillRect/>
+          </a:stretch>
+        </p:blipFill>
+        <p:spPr>
+          <a:xfrm>
+            <a:off x="1527248" y="1151837"/>
+            <a:ext cx="1395432" cy="1395432"/>
+          </a:xfrm>
+          <a:prstGeom prst="rect">
+            <a:avLst/>
+          </a:prstGeom>
+        </p:spPr>
+      </p:pic>
+      <p:sp>
+        <p:nvSpPr>
+          <p:cNvPr id="5" name="TextBox 4">
+            <a:extLst>
+              <a:ext uri="{FF2B5EF4-FFF2-40B4-BE49-F238E27FC236}">
+                <a16:creationId xmlns:a16="http://schemas.microsoft.com/office/drawing/2014/main" id="{BD5E2FF0-5670-FE51-79BA-D504FA0548B0}"/>
+              </a:ext>
+            </a:extLst>
+          </p:cNvPr>
+          <p:cNvSpPr txBox="1"/>
+          <p:nvPr/>
+        </p:nvSpPr>
+        <p:spPr>
+          <a:xfrm>
+            <a:off x="1478469" y="2517192"/>
+            <a:ext cx="2063628" cy="699404"/>
+          </a:xfrm>
+          <a:prstGeom prst="rect">
+            <a:avLst/>
+          </a:prstGeom>
+          <a:noFill/>
+        </p:spPr>
+        <p:txBody>
+          <a:bodyPr wrap="square" lIns="72000" tIns="72000" rIns="72000" bIns="72000" rtlCol="0">
+            <a:spAutoFit/>
+          </a:bodyPr>
+          <a:lstStyle/>
+          <a:p>
+            <a:pPr marL="0" indent="0" algn="l">
+              <a:spcBef>
+                <a:spcPts val="600"/>
+              </a:spcBef>
+              <a:buFont typeface="Arial" panose="020B0604020202020204" pitchFamily="34" charset="0"/>
+              <a:buNone/>
+            </a:pPr>
+            <a:r>
+              <a:rPr lang="sv-SE" dirty="0">
+                <a:solidFill>
+                  <a:schemeClr val="bg1"/>
+                </a:solidFill>
+              </a:rPr>
+              <a:t>Vad ska vi prata om?</a:t>
+            </a:r>
+            <a:endParaRPr lang="sv-SE" sz="1800" dirty="0">
+              <a:solidFill>
+                <a:schemeClr val="bg1"/>
+              </a:solidFill>
+            </a:endParaRPr>
+          </a:p>
+        </p:txBody>
+      </p:sp>
+    </p:spTree>
+    <p:extLst>
+      <p:ext uri="{BB962C8B-B14F-4D97-AF65-F5344CB8AC3E}">
+        <p14:creationId xmlns:p14="http://schemas.microsoft.com/office/powerpoint/2010/main" val="1075381935"/>
+      </p:ext>
+    </p:extLst>
+  </p:cSld>
+  <p:clrMapOvr>
+    <a:masterClrMapping/>
+  </p:clrMapOvr>
+</p:sld>
+</file>
+
+<file path=ppt/slides/slide4.xml><?xml version="1.0" encoding="utf-8"?>
+<p:sld xmlns:a="http://schemas.openxmlformats.org/drawingml/2006/main" xmlns:r="http://schemas.openxmlformats.org/officeDocument/2006/relationships" xmlns:p="http://schemas.openxmlformats.org/presentationml/2006/main" showMasterSp="0">
+  <p:cSld>
+    <p:bg>
+      <p:bgPr>
+        <a:solidFill>
+          <a:srgbClr val="FFFFFF"/>
+        </a:solidFill>
+        <a:effectLst/>
+      </p:bgPr>
+    </p:bg>
+    <p:spTree>
+      <p:nvGrpSpPr>
+        <p:cNvPr id="1" name=""/>
+        <p:cNvGrpSpPr/>
+        <p:nvPr/>
+      </p:nvGrpSpPr>
+      <p:grpSpPr>
+        <a:xfrm>
+          <a:off x="0" y="0"/>
+          <a:ext cx="0" cy="0"/>
+          <a:chOff x="0" y="0"/>
+          <a:chExt cx="0" cy="0"/>
+        </a:xfrm>
+      </p:grpSpPr>
+      <p:sp>
+        <p:nvSpPr>
+          <p:cNvPr id="2" name="Footer Placeholder 1">
+            <a:extLst>
+              <a:ext uri="{FF2B5EF4-FFF2-40B4-BE49-F238E27FC236}">
+                <a16:creationId xmlns:a16="http://schemas.microsoft.com/office/drawing/2014/main" id="{6A1279D9-AB67-5A35-6F8D-CE7E10B948DD}"/>
+              </a:ext>
+            </a:extLst>
+          </p:cNvPr>
+          <p:cNvSpPr>
+            <a:spLocks noGrp="1"/>
+          </p:cNvSpPr>
+          <p:nvPr>
+            <p:ph type="ftr" sz="quarter" idx="10"/>
+          </p:nvPr>
+        </p:nvSpPr>
+        <p:spPr/>
+        <p:txBody>
+          <a:bodyPr/>
+          <a:lstStyle/>
+          <a:p>
+            <a:r>
+              <a:rPr lang="sv-SE"/>
+              <a:t>Namn på presentationen</a:t>
+            </a:r>
+          </a:p>
+        </p:txBody>
+      </p:sp>
+      <p:sp>
+        <p:nvSpPr>
+          <p:cNvPr id="3" name="Slide Number Placeholder 2">
+            <a:extLst>
+              <a:ext uri="{FF2B5EF4-FFF2-40B4-BE49-F238E27FC236}">
+                <a16:creationId xmlns:a16="http://schemas.microsoft.com/office/drawing/2014/main" id="{FA6F8300-627C-B43F-8BCF-B02CC89BE96F}"/>
+              </a:ext>
+            </a:extLst>
+          </p:cNvPr>
+          <p:cNvSpPr>
+            <a:spLocks noGrp="1"/>
+          </p:cNvSpPr>
+          <p:nvPr>
+            <p:ph type="sldNum" sz="quarter" idx="11"/>
+          </p:nvPr>
+        </p:nvSpPr>
+        <p:spPr/>
+        <p:txBody>
+          <a:bodyPr/>
+          <a:lstStyle/>
+          <a:p>
+            <a:fld id="{89578386-84DA-45F9-ABB1-FE09AA2697D8}" type="slidenum">
+              <a:rPr lang="sv-SE" smtClean="0"/>
+              <a:pPr/>
+              <a:t>4</a:t>
+            </a:fld>
+            <a:endParaRPr lang="sv-SE"/>
+          </a:p>
+        </p:txBody>
+      </p:sp>
+      <p:pic>
+        <p:nvPicPr>
+          <p:cNvPr id="5" name="Picture 4">
+            <a:extLst>
+              <a:ext uri="{FF2B5EF4-FFF2-40B4-BE49-F238E27FC236}">
+                <a16:creationId xmlns:a16="http://schemas.microsoft.com/office/drawing/2014/main" id="{624C20F0-6CE9-7B85-4333-BEA818059AFC}"/>
+              </a:ext>
+            </a:extLst>
+          </p:cNvPr>
+          <p:cNvPicPr>
+            <a:picLocks/>
+          </p:cNvPicPr>
+          <p:nvPr>
+            <p:custDataLst>
+              <p:tags r:id="rId2"/>
+            </p:custDataLst>
+          </p:nvPr>
+        </p:nvPicPr>
+        <p:blipFill>
+          <a:blip r:embed="rId7">
+            <a:extLst>
+              <a:ext uri="{28A0092B-C50C-407E-A947-70E740481C1C}">
+                <a14:useLocalDpi xmlns:a14="http://schemas.microsoft.com/office/drawing/2010/main" val="0"/>
+              </a:ext>
+            </a:extLst>
+          </a:blip>
+          <a:stretch>
+            <a:fillRect/>
+          </a:stretch>
+        </p:blipFill>
+        <p:spPr>
+          <a:xfrm>
+            <a:off x="3201670" y="508000"/>
+            <a:ext cx="1219200" cy="510126"/>
+          </a:xfrm>
+          <a:prstGeom prst="rect">
+            <a:avLst/>
+          </a:prstGeom>
+        </p:spPr>
+      </p:pic>
+      <p:pic>
+        <p:nvPicPr>
+          <p:cNvPr id="7" name="Picture 6">
+            <a:extLst>
+              <a:ext uri="{FF2B5EF4-FFF2-40B4-BE49-F238E27FC236}">
+                <a16:creationId xmlns:a16="http://schemas.microsoft.com/office/drawing/2014/main" id="{897FC4AA-DB11-3FD9-8FA9-1F1C49E771AA}"/>
+              </a:ext>
+            </a:extLst>
+          </p:cNvPr>
+          <p:cNvPicPr>
+            <a:picLocks/>
+          </p:cNvPicPr>
+          <p:nvPr>
+            <p:custDataLst>
+              <p:tags r:id="rId3"/>
+            </p:custDataLst>
+          </p:nvPr>
+        </p:nvPicPr>
+        <p:blipFill>
+          <a:blip r:embed="rId8">
+            <a:extLst>
+              <a:ext uri="{28A0092B-C50C-407E-A947-70E740481C1C}">
+                <a14:useLocalDpi xmlns:a14="http://schemas.microsoft.com/office/drawing/2010/main" val="0"/>
+              </a:ext>
+            </a:extLst>
+          </a:blip>
+          <a:stretch>
+            <a:fillRect/>
+          </a:stretch>
+        </p:blipFill>
+        <p:spPr>
+          <a:xfrm>
+            <a:off x="508000" y="2209800"/>
+            <a:ext cx="2438400" cy="2438400"/>
+          </a:xfrm>
+          <a:prstGeom prst="rect">
+            <a:avLst/>
+          </a:prstGeom>
+        </p:spPr>
+      </p:pic>
+      <p:sp>
+        <p:nvSpPr>
+          <p:cNvPr id="8" name="Rectangle 7">
+            <a:extLst>
+              <a:ext uri="{FF2B5EF4-FFF2-40B4-BE49-F238E27FC236}">
+                <a16:creationId xmlns:a16="http://schemas.microsoft.com/office/drawing/2014/main" id="{94EC8E78-A9D0-D1E3-52A7-F342F14051B8}"/>
+              </a:ext>
+            </a:extLst>
+          </p:cNvPr>
+          <p:cNvSpPr/>
+          <p:nvPr>
+            <p:custDataLst>
+              <p:tags r:id="rId4"/>
+            </p:custDataLst>
+          </p:nvPr>
+        </p:nvSpPr>
+        <p:spPr>
+          <a:xfrm>
+            <a:off x="3200400" y="2571750"/>
+            <a:ext cx="8483600" cy="1714500"/>
+          </a:xfrm>
+          <a:prstGeom prst="rect">
+            <a:avLst/>
+          </a:prstGeom>
+          <a:noFill/>
+          <a:ln>
+            <a:noFill/>
+          </a:ln>
+          <a:extLst>
+            <a:ext uri="{909E8E84-426E-40DD-AFC4-6F175D3DCCD1}">
+              <a14:hiddenFill xmlns:a14="http://schemas.microsoft.com/office/drawing/2010/main">
+                <a:solidFill>
+                  <a:schemeClr val="accent4"/>
+                </a:solidFill>
+              </a14:hiddenFill>
+            </a:ext>
+          </a:extLst>
+        </p:spPr>
+        <p:style>
+          <a:lnRef idx="2">
+            <a:schemeClr val="accent1">
+              <a:shade val="50000"/>
+            </a:schemeClr>
+          </a:lnRef>
+          <a:fillRef idx="1">
+            <a:schemeClr val="accent1"/>
+          </a:fillRef>
+          <a:effectRef idx="0">
+            <a:schemeClr val="accent1"/>
+          </a:effectRef>
+          <a:fontRef idx="minor">
+            <a:schemeClr val="lt1"/>
+          </a:fontRef>
+        </p:style>
+        <p:txBody>
+          <a:bodyPr rtlCol="0" anchor="ctr"/>
+          <a:lstStyle/>
+          <a:p>
+            <a:r>
+              <a:rPr lang="sv-SE" sz="3600" b="1">
+                <a:solidFill>
+                  <a:srgbClr val="5B5B5B"/>
+                </a:solidFill>
+              </a:rPr>
+              <a:t>Vad ska vi prata om?</a:t>
+            </a:r>
+          </a:p>
+        </p:txBody>
+      </p:sp>
+      <p:sp>
+        <p:nvSpPr>
+          <p:cNvPr id="9" name="Rectangle 8">
+            <a:extLst>
+              <a:ext uri="{FF2B5EF4-FFF2-40B4-BE49-F238E27FC236}">
+                <a16:creationId xmlns:a16="http://schemas.microsoft.com/office/drawing/2014/main" id="{04F7DE9D-ED90-E171-B1F4-6CF4DD34FC23}"/>
+              </a:ext>
+            </a:extLst>
+          </p:cNvPr>
+          <p:cNvSpPr/>
+          <p:nvPr>
+            <p:custDataLst>
+              <p:tags r:id="rId5"/>
+            </p:custDataLst>
+          </p:nvPr>
+        </p:nvSpPr>
+        <p:spPr>
+          <a:xfrm>
+            <a:off x="3200400" y="6096000"/>
+            <a:ext cx="8737600" cy="510125"/>
+          </a:xfrm>
+          <a:prstGeom prst="rect">
+            <a:avLst/>
+          </a:prstGeom>
+          <a:noFill/>
+          <a:ln>
+            <a:noFill/>
+          </a:ln>
+          <a:extLst>
+            <a:ext uri="{909E8E84-426E-40DD-AFC4-6F175D3DCCD1}">
+              <a14:hiddenFill xmlns:a14="http://schemas.microsoft.com/office/drawing/2010/main">
+                <a:solidFill>
+                  <a:schemeClr val="accent4"/>
+                </a:solidFill>
+              </a14:hiddenFill>
+            </a:ext>
+          </a:extLst>
+        </p:spPr>
+        <p:style>
+          <a:lnRef idx="2">
+            <a:schemeClr val="accent1">
+              <a:shade val="50000"/>
+            </a:schemeClr>
+          </a:lnRef>
+          <a:fillRef idx="1">
+            <a:schemeClr val="accent1"/>
+          </a:fillRef>
+          <a:effectRef idx="0">
+            <a:schemeClr val="accent1"/>
+          </a:effectRef>
+          <a:fontRef idx="minor">
+            <a:schemeClr val="lt1"/>
+          </a:fontRef>
+        </p:style>
+        <p:txBody>
+          <a:bodyPr rtlCol="0" anchor="ctr"/>
+          <a:lstStyle/>
+          <a:p>
+            <a:r>
+              <a:rPr lang="en-US" sz="1300" b="1">
+                <a:solidFill>
+                  <a:srgbClr val="5B5B5B"/>
+                </a:solidFill>
+              </a:rPr>
+              <a:t>ⓘ</a:t>
+            </a:r>
+            <a:r>
+              <a:rPr lang="en-US" sz="1400">
+                <a:solidFill>
+                  <a:srgbClr val="5B5B5B"/>
+                </a:solidFill>
+              </a:rPr>
+              <a:t> Start presenting to display the poll results on this slide.</a:t>
+            </a:r>
+            <a:endParaRPr lang="sv-SE" sz="1400">
+              <a:solidFill>
+                <a:srgbClr val="5B5B5B"/>
+              </a:solidFill>
+            </a:endParaRPr>
+          </a:p>
+        </p:txBody>
+      </p:sp>
+      <p:pic>
+        <p:nvPicPr>
+          <p:cNvPr id="10" name="Picture 9" descr="A qr code on a white background&#10;&#10;Description automatically generated">
+            <a:extLst>
+              <a:ext uri="{FF2B5EF4-FFF2-40B4-BE49-F238E27FC236}">
+                <a16:creationId xmlns:a16="http://schemas.microsoft.com/office/drawing/2014/main" id="{2E668E2E-703B-0A70-9E1E-273F2CF261D6}"/>
+              </a:ext>
+            </a:extLst>
+          </p:cNvPr>
+          <p:cNvPicPr>
+            <a:picLocks noChangeAspect="1"/>
+          </p:cNvPicPr>
+          <p:nvPr/>
+        </p:nvPicPr>
+        <p:blipFill>
+          <a:blip r:embed="rId9">
+            <a:extLst>
+              <a:ext uri="{28A0092B-C50C-407E-A947-70E740481C1C}">
+                <a14:useLocalDpi xmlns:a14="http://schemas.microsoft.com/office/drawing/2010/main" val="0"/>
+              </a:ext>
+            </a:extLst>
+          </a:blip>
+          <a:stretch>
+            <a:fillRect/>
+          </a:stretch>
+        </p:blipFill>
+        <p:spPr>
+          <a:xfrm>
+            <a:off x="8717282" y="2103922"/>
+            <a:ext cx="2438400" cy="2438400"/>
+          </a:xfrm>
+          <a:prstGeom prst="rect">
+            <a:avLst/>
+          </a:prstGeom>
+        </p:spPr>
+      </p:pic>
+    </p:spTree>
+    <p:custDataLst>
+      <p:tags r:id="rId1"/>
+    </p:custDataLst>
+    <p:extLst>
+      <p:ext uri="{BB962C8B-B14F-4D97-AF65-F5344CB8AC3E}">
+        <p14:creationId xmlns:p14="http://schemas.microsoft.com/office/powerpoint/2010/main" val="2946487450"/>
+      </p:ext>
+    </p:extLst>
+  </p:cSld>
+  <p:clrMapOvr>
+    <a:masterClrMapping/>
+  </p:clrMapOvr>
+</p:sld>
+</file>
+
+<file path=ppt/slides/slide5.xml><?xml version="1.0" encoding="utf-8"?>
+<p:sld xmlns:a="http://schemas.openxmlformats.org/drawingml/2006/main" xmlns:r="http://schemas.openxmlformats.org/officeDocument/2006/relationships" xmlns:p="http://schemas.openxmlformats.org/presentationml/2006/main">
+  <p:cSld>
+    <p:spTree>
+      <p:nvGrpSpPr>
+        <p:cNvPr id="1" name=""/>
+        <p:cNvGrpSpPr/>
+        <p:nvPr/>
+      </p:nvGrpSpPr>
+      <p:grpSpPr>
+        <a:xfrm>
+          <a:off x="0" y="0"/>
+          <a:ext cx="0" cy="0"/>
+          <a:chOff x="0" y="0"/>
+          <a:chExt cx="0" cy="0"/>
+        </a:xfrm>
+      </p:grpSpPr>
+      <p:sp>
+        <p:nvSpPr>
+          <p:cNvPr id="2" name="Footer Placeholder 1">
+            <a:extLst>
+              <a:ext uri="{FF2B5EF4-FFF2-40B4-BE49-F238E27FC236}">
+                <a16:creationId xmlns:a16="http://schemas.microsoft.com/office/drawing/2014/main" id="{8A0CFD9D-183B-2D88-A246-23CF4BB886EA}"/>
+              </a:ext>
+            </a:extLst>
+          </p:cNvPr>
+          <p:cNvSpPr>
+            <a:spLocks noGrp="1"/>
+          </p:cNvSpPr>
+          <p:nvPr>
+            <p:ph type="ftr" sz="quarter" idx="10"/>
+          </p:nvPr>
+        </p:nvSpPr>
+        <p:spPr/>
+        <p:txBody>
+          <a:bodyPr/>
+          <a:lstStyle/>
+          <a:p>
+            <a:r>
+              <a:rPr lang="sv-SE"/>
+              <a:t>Namn på presentationen</a:t>
+            </a:r>
+          </a:p>
+        </p:txBody>
+      </p:sp>
+      <p:sp>
+        <p:nvSpPr>
+          <p:cNvPr id="3" name="Slide Number Placeholder 2">
+            <a:extLst>
+              <a:ext uri="{FF2B5EF4-FFF2-40B4-BE49-F238E27FC236}">
+                <a16:creationId xmlns:a16="http://schemas.microsoft.com/office/drawing/2014/main" id="{7A1E9643-BE8B-FCDF-35B8-4FE8475DF8FE}"/>
+              </a:ext>
+            </a:extLst>
+          </p:cNvPr>
+          <p:cNvSpPr>
+            <a:spLocks noGrp="1"/>
+          </p:cNvSpPr>
+          <p:nvPr>
+            <p:ph type="sldNum" sz="quarter" idx="11"/>
+          </p:nvPr>
+        </p:nvSpPr>
+        <p:spPr/>
+        <p:txBody>
+          <a:bodyPr/>
+          <a:lstStyle/>
+          <a:p>
+            <a:fld id="{89578386-84DA-45F9-ABB1-FE09AA2697D8}" type="slidenum">
+              <a:rPr lang="sv-SE" smtClean="0"/>
+              <a:pPr/>
+              <a:t>5</a:t>
+            </a:fld>
+            <a:endParaRPr lang="sv-SE"/>
+          </a:p>
+        </p:txBody>
+      </p:sp>
+      <p:pic>
+        <p:nvPicPr>
+          <p:cNvPr id="5" name="Picture 4">
+            <a:extLst>
+              <a:ext uri="{FF2B5EF4-FFF2-40B4-BE49-F238E27FC236}">
+                <a16:creationId xmlns:a16="http://schemas.microsoft.com/office/drawing/2014/main" id="{6864B072-4899-1333-ED2F-DC34C0DA1C3D}"/>
+              </a:ext>
+            </a:extLst>
+          </p:cNvPr>
+          <p:cNvPicPr>
+            <a:picLocks noChangeAspect="1"/>
+          </p:cNvPicPr>
+          <p:nvPr/>
+        </p:nvPicPr>
+        <p:blipFill>
+          <a:blip r:embed="rId2"/>
+          <a:stretch>
+            <a:fillRect/>
+          </a:stretch>
+        </p:blipFill>
+        <p:spPr>
+          <a:xfrm>
+            <a:off x="552596" y="593730"/>
+            <a:ext cx="2924583" cy="5439534"/>
+          </a:xfrm>
+          <a:prstGeom prst="rect">
+            <a:avLst/>
+          </a:prstGeom>
+        </p:spPr>
+      </p:pic>
+      <p:pic>
+        <p:nvPicPr>
+          <p:cNvPr id="7" name="Picture 6">
+            <a:extLst>
+              <a:ext uri="{FF2B5EF4-FFF2-40B4-BE49-F238E27FC236}">
+                <a16:creationId xmlns:a16="http://schemas.microsoft.com/office/drawing/2014/main" id="{3997F752-3E40-A055-504B-E0D37AC7106C}"/>
+              </a:ext>
+            </a:extLst>
+          </p:cNvPr>
+          <p:cNvPicPr>
+            <a:picLocks noChangeAspect="1"/>
+          </p:cNvPicPr>
+          <p:nvPr/>
+        </p:nvPicPr>
+        <p:blipFill>
+          <a:blip r:embed="rId3"/>
+          <a:stretch>
+            <a:fillRect/>
+          </a:stretch>
+        </p:blipFill>
+        <p:spPr>
+          <a:xfrm>
+            <a:off x="3950414" y="593730"/>
+            <a:ext cx="2943636" cy="4896533"/>
+          </a:xfrm>
+          <a:prstGeom prst="rect">
+            <a:avLst/>
+          </a:prstGeom>
+        </p:spPr>
+      </p:pic>
+      <p:pic>
+        <p:nvPicPr>
+          <p:cNvPr id="9" name="Picture 8">
+            <a:extLst>
+              <a:ext uri="{FF2B5EF4-FFF2-40B4-BE49-F238E27FC236}">
+                <a16:creationId xmlns:a16="http://schemas.microsoft.com/office/drawing/2014/main" id="{0FFD7DBF-130B-EE39-E10E-33A05E9EF541}"/>
+              </a:ext>
+            </a:extLst>
+          </p:cNvPr>
+          <p:cNvPicPr>
+            <a:picLocks noChangeAspect="1"/>
+          </p:cNvPicPr>
+          <p:nvPr/>
+        </p:nvPicPr>
+        <p:blipFill>
+          <a:blip r:embed="rId4"/>
+          <a:stretch>
+            <a:fillRect/>
+          </a:stretch>
+        </p:blipFill>
+        <p:spPr>
+          <a:xfrm>
+            <a:off x="7688394" y="593730"/>
+            <a:ext cx="2667372" cy="1848108"/>
+          </a:xfrm>
+          <a:prstGeom prst="rect">
+            <a:avLst/>
+          </a:prstGeom>
+        </p:spPr>
+      </p:pic>
+      <p:pic>
+        <p:nvPicPr>
+          <p:cNvPr id="10" name="Picture 9" descr="A qr code on a white background&#10;&#10;Description automatically generated">
+            <a:extLst>
+              <a:ext uri="{FF2B5EF4-FFF2-40B4-BE49-F238E27FC236}">
+                <a16:creationId xmlns:a16="http://schemas.microsoft.com/office/drawing/2014/main" id="{43B533DC-5AF4-B10C-4066-DB33CBC1F7B6}"/>
+              </a:ext>
+            </a:extLst>
+          </p:cNvPr>
+          <p:cNvPicPr>
+            <a:picLocks noChangeAspect="1"/>
+          </p:cNvPicPr>
+          <p:nvPr/>
+        </p:nvPicPr>
+        <p:blipFill>
+          <a:blip r:embed="rId5">
+            <a:extLst>
+              <a:ext uri="{28A0092B-C50C-407E-A947-70E740481C1C}">
+                <a14:useLocalDpi xmlns:a14="http://schemas.microsoft.com/office/drawing/2010/main" val="0"/>
+              </a:ext>
+            </a:extLst>
+          </a:blip>
+          <a:stretch>
+            <a:fillRect/>
+          </a:stretch>
+        </p:blipFill>
+        <p:spPr>
+          <a:xfrm>
+            <a:off x="9808143" y="4416163"/>
+            <a:ext cx="1347538" cy="1347538"/>
+          </a:xfrm>
+          <a:prstGeom prst="rect">
+            <a:avLst/>
+          </a:prstGeom>
+        </p:spPr>
+      </p:pic>
+      <p:sp>
+        <p:nvSpPr>
+          <p:cNvPr id="11" name="TextBox 10">
+            <a:extLst>
+              <a:ext uri="{FF2B5EF4-FFF2-40B4-BE49-F238E27FC236}">
+                <a16:creationId xmlns:a16="http://schemas.microsoft.com/office/drawing/2014/main" id="{2818A645-9747-AAEC-E204-DADA7233C9C3}"/>
+              </a:ext>
+            </a:extLst>
+          </p:cNvPr>
+          <p:cNvSpPr txBox="1"/>
+          <p:nvPr/>
+        </p:nvSpPr>
+        <p:spPr>
+          <a:xfrm>
+            <a:off x="7883091" y="3041996"/>
+            <a:ext cx="3835538" cy="422405"/>
+          </a:xfrm>
+          <a:prstGeom prst="rect">
+            <a:avLst/>
+          </a:prstGeom>
+          <a:noFill/>
+        </p:spPr>
+        <p:txBody>
+          <a:bodyPr wrap="square" lIns="72000" tIns="72000" rIns="72000" bIns="72000" rtlCol="0">
+            <a:spAutoFit/>
+          </a:bodyPr>
+          <a:lstStyle/>
+          <a:p>
+            <a:pPr marL="0" indent="0" algn="l">
+              <a:spcBef>
+                <a:spcPts val="600"/>
+              </a:spcBef>
+              <a:buFont typeface="Arial" panose="020B0604020202020204" pitchFamily="34" charset="0"/>
+              <a:buNone/>
+            </a:pPr>
+            <a:r>
+              <a:rPr lang="sv-SE" strike="sngStrike" dirty="0" err="1">
+                <a:solidFill>
+                  <a:schemeClr val="tx1"/>
+                </a:solidFill>
+              </a:rPr>
+              <a:t>Entity</a:t>
+            </a:r>
+            <a:r>
+              <a:rPr lang="sv-SE" strike="sngStrike" dirty="0">
+                <a:solidFill>
+                  <a:schemeClr val="tx1"/>
+                </a:solidFill>
+              </a:rPr>
+              <a:t> </a:t>
+            </a:r>
+            <a:r>
+              <a:rPr lang="sv-SE" strike="sngStrike" dirty="0" err="1">
+                <a:solidFill>
+                  <a:schemeClr val="tx1"/>
+                </a:solidFill>
+              </a:rPr>
+              <a:t>Framework</a:t>
+            </a:r>
+            <a:endParaRPr lang="sv-SE" sz="1000" strike="sngStrike" dirty="0">
+              <a:solidFill>
+                <a:schemeClr val="tx1"/>
+              </a:solidFill>
+            </a:endParaRPr>
+          </a:p>
+        </p:txBody>
+      </p:sp>
+    </p:spTree>
+    <p:extLst>
+      <p:ext uri="{BB962C8B-B14F-4D97-AF65-F5344CB8AC3E}">
+        <p14:creationId xmlns:p14="http://schemas.microsoft.com/office/powerpoint/2010/main" val="2428930867"/>
+      </p:ext>
+    </p:extLst>
+  </p:cSld>
+  <p:clrMapOvr>
+    <a:masterClrMapping/>
+  </p:clrMapOvr>
+</p:sld>
+</file>
+
+<file path=ppt/slides/slide6.xml><?xml version="1.0" encoding="utf-8"?>
+<p:sld xmlns:a="http://schemas.openxmlformats.org/drawingml/2006/main" xmlns:r="http://schemas.openxmlformats.org/officeDocument/2006/relationships" xmlns:p="http://schemas.openxmlformats.org/presentationml/2006/main">
+  <p:cSld>
+    <p:spTree>
+      <p:nvGrpSpPr>
+        <p:cNvPr id="1" name=""/>
+        <p:cNvGrpSpPr/>
+        <p:nvPr/>
+      </p:nvGrpSpPr>
+      <p:grpSpPr>
+        <a:xfrm>
+          <a:off x="0" y="0"/>
+          <a:ext cx="0" cy="0"/>
+          <a:chOff x="0" y="0"/>
+          <a:chExt cx="0" cy="0"/>
+        </a:xfrm>
+      </p:grpSpPr>
+      <p:sp>
+        <p:nvSpPr>
+          <p:cNvPr id="5" name="Content Placeholder 4">
+            <a:extLst>
+              <a:ext uri="{FF2B5EF4-FFF2-40B4-BE49-F238E27FC236}">
+                <a16:creationId xmlns:a16="http://schemas.microsoft.com/office/drawing/2014/main" id="{BEE571A9-B8B6-D4E8-B14E-B2A82EF959F5}"/>
+              </a:ext>
+            </a:extLst>
+          </p:cNvPr>
+          <p:cNvSpPr>
+            <a:spLocks noGrp="1"/>
+          </p:cNvSpPr>
+          <p:nvPr>
+            <p:ph sz="half" idx="1"/>
+          </p:nvPr>
+        </p:nvSpPr>
+        <p:spPr/>
+        <p:txBody>
+          <a:bodyPr/>
+          <a:lstStyle/>
+          <a:p>
+            <a:r>
+              <a:rPr lang="sv-SE" dirty="0"/>
+              <a:t>Microsoft </a:t>
+            </a:r>
+            <a:r>
+              <a:rPr lang="sv-SE" dirty="0" err="1"/>
+              <a:t>Learn</a:t>
+            </a:r>
+            <a:r>
+              <a:rPr lang="sv-SE" dirty="0"/>
+              <a:t> – </a:t>
+            </a:r>
+            <a:r>
+              <a:rPr lang="sv-SE" dirty="0" err="1"/>
+              <a:t>What’s</a:t>
+            </a:r>
+            <a:r>
+              <a:rPr lang="sv-SE" dirty="0"/>
+              <a:t> new?</a:t>
+            </a:r>
+          </a:p>
+          <a:p>
+            <a:pPr lvl="1"/>
+            <a:r>
+              <a:rPr lang="sv-SE" dirty="0"/>
+              <a:t>C# 12</a:t>
+            </a:r>
+          </a:p>
+          <a:p>
+            <a:pPr lvl="1"/>
+            <a:r>
+              <a:rPr lang="sv-SE" dirty="0"/>
+              <a:t>.NET</a:t>
+            </a:r>
+          </a:p>
+          <a:p>
+            <a:pPr lvl="1"/>
+            <a:r>
+              <a:rPr lang="sv-SE" dirty="0"/>
+              <a:t>EF</a:t>
+            </a:r>
+          </a:p>
+          <a:p>
+            <a:pPr lvl="1"/>
+            <a:r>
+              <a:rPr lang="sv-SE" dirty="0"/>
+              <a:t>ASP.NET </a:t>
+            </a:r>
+            <a:r>
+              <a:rPr lang="sv-SE" dirty="0" err="1"/>
+              <a:t>Core</a:t>
+            </a:r>
+            <a:endParaRPr lang="sv-SE" dirty="0"/>
+          </a:p>
+          <a:p>
+            <a:r>
+              <a:rPr lang="sv-SE" dirty="0"/>
+              <a:t>Nick </a:t>
+            </a:r>
+            <a:r>
+              <a:rPr lang="sv-SE" dirty="0" err="1"/>
+              <a:t>Chapsas</a:t>
+            </a:r>
+            <a:r>
+              <a:rPr lang="sv-SE" dirty="0"/>
+              <a:t>’ </a:t>
+            </a:r>
+            <a:r>
+              <a:rPr lang="sv-SE" dirty="0" err="1"/>
+              <a:t>playlist</a:t>
+            </a:r>
+            <a:r>
+              <a:rPr lang="sv-SE" dirty="0"/>
+              <a:t> – C# 12/.Net 8</a:t>
+            </a:r>
+          </a:p>
+          <a:p>
+            <a:r>
+              <a:rPr lang="sv-SE" dirty="0"/>
+              <a:t>.Net/C# on </a:t>
+            </a:r>
+            <a:r>
+              <a:rPr lang="sv-SE" dirty="0" err="1"/>
+              <a:t>github</a:t>
+            </a:r>
+            <a:endParaRPr lang="sv-SE" dirty="0"/>
+          </a:p>
+          <a:p>
+            <a:pPr lvl="1"/>
+            <a:r>
+              <a:rPr lang="sv-SE" dirty="0"/>
+              <a:t>dotnet – </a:t>
+            </a:r>
+            <a:r>
+              <a:rPr lang="sv-SE" dirty="0" err="1"/>
+              <a:t>documentation</a:t>
+            </a:r>
+            <a:r>
+              <a:rPr lang="sv-SE" dirty="0"/>
+              <a:t>, </a:t>
+            </a:r>
+            <a:r>
+              <a:rPr lang="sv-SE" dirty="0" err="1"/>
+              <a:t>discussion</a:t>
+            </a:r>
+            <a:r>
+              <a:rPr lang="sv-SE" dirty="0"/>
+              <a:t>, feature </a:t>
+            </a:r>
+            <a:r>
+              <a:rPr lang="sv-SE" dirty="0" err="1"/>
+              <a:t>descriptions</a:t>
+            </a:r>
+            <a:r>
+              <a:rPr lang="sv-SE" dirty="0"/>
+              <a:t> </a:t>
+            </a:r>
+            <a:r>
+              <a:rPr lang="sv-SE" dirty="0" err="1"/>
+              <a:t>etc</a:t>
+            </a:r>
+            <a:endParaRPr lang="sv-SE" dirty="0"/>
+          </a:p>
+          <a:p>
+            <a:pPr lvl="1"/>
+            <a:r>
+              <a:rPr lang="sv-SE" dirty="0" err="1"/>
+              <a:t>roslyn</a:t>
+            </a:r>
+            <a:r>
+              <a:rPr lang="sv-SE" dirty="0"/>
+              <a:t> – </a:t>
+            </a:r>
+            <a:r>
+              <a:rPr lang="sv-SE" dirty="0" err="1"/>
+              <a:t>compiler</a:t>
+            </a:r>
+            <a:r>
+              <a:rPr lang="sv-SE" dirty="0"/>
+              <a:t> source code</a:t>
+            </a:r>
+          </a:p>
+          <a:p>
+            <a:r>
+              <a:rPr lang="sv-SE" dirty="0" err="1"/>
+              <a:t>semweiOP</a:t>
+            </a:r>
+            <a:r>
+              <a:rPr lang="sv-SE" dirty="0"/>
+              <a:t>/DotNet8</a:t>
+            </a:r>
+          </a:p>
+          <a:p>
+            <a:endParaRPr lang="sv-SE" dirty="0"/>
+          </a:p>
+        </p:txBody>
+      </p:sp>
+      <p:sp>
+        <p:nvSpPr>
+          <p:cNvPr id="6" name="Subtitle 5">
+            <a:extLst>
+              <a:ext uri="{FF2B5EF4-FFF2-40B4-BE49-F238E27FC236}">
+                <a16:creationId xmlns:a16="http://schemas.microsoft.com/office/drawing/2014/main" id="{1D195996-8191-B2F6-A20F-4DEE1F51742E}"/>
+              </a:ext>
+            </a:extLst>
+          </p:cNvPr>
+          <p:cNvSpPr>
+            <a:spLocks noGrp="1"/>
+          </p:cNvSpPr>
+          <p:nvPr>
+            <p:ph type="subTitle" idx="16"/>
+          </p:nvPr>
+        </p:nvSpPr>
+        <p:spPr/>
+        <p:txBody>
+          <a:bodyPr/>
+          <a:lstStyle/>
+          <a:p>
+            <a:endParaRPr lang="sv-SE"/>
+          </a:p>
+        </p:txBody>
+      </p:sp>
+      <p:sp>
+        <p:nvSpPr>
+          <p:cNvPr id="4" name="Title 3">
+            <a:extLst>
+              <a:ext uri="{FF2B5EF4-FFF2-40B4-BE49-F238E27FC236}">
+                <a16:creationId xmlns:a16="http://schemas.microsoft.com/office/drawing/2014/main" id="{4C1E8918-81F1-3140-72D7-356C762E6C64}"/>
+              </a:ext>
+            </a:extLst>
+          </p:cNvPr>
+          <p:cNvSpPr>
+            <a:spLocks noGrp="1"/>
+          </p:cNvSpPr>
+          <p:nvPr>
+            <p:ph type="title"/>
+          </p:nvPr>
+        </p:nvSpPr>
+        <p:spPr/>
+        <p:txBody>
+          <a:bodyPr/>
+          <a:lstStyle/>
+          <a:p>
+            <a:r>
+              <a:rPr lang="sv-SE" dirty="0"/>
+              <a:t>Resurser</a:t>
+            </a:r>
+          </a:p>
+        </p:txBody>
+      </p:sp>
+      <p:sp>
+        <p:nvSpPr>
+          <p:cNvPr id="2" name="Footer Placeholder 1">
+            <a:extLst>
+              <a:ext uri="{FF2B5EF4-FFF2-40B4-BE49-F238E27FC236}">
+                <a16:creationId xmlns:a16="http://schemas.microsoft.com/office/drawing/2014/main" id="{F7BD3AE5-597D-53C9-13C3-E7C2FC553F81}"/>
+              </a:ext>
+            </a:extLst>
+          </p:cNvPr>
+          <p:cNvSpPr>
+            <a:spLocks noGrp="1"/>
+          </p:cNvSpPr>
+          <p:nvPr>
+            <p:ph type="ftr" sz="quarter" idx="17"/>
+          </p:nvPr>
+        </p:nvSpPr>
+        <p:spPr/>
+        <p:txBody>
+          <a:bodyPr/>
+          <a:lstStyle/>
+          <a:p>
+            <a:r>
+              <a:rPr lang="sv-SE"/>
+              <a:t>Namn på presentationen</a:t>
+            </a:r>
+          </a:p>
+        </p:txBody>
+      </p:sp>
+      <p:sp>
+        <p:nvSpPr>
+          <p:cNvPr id="3" name="Slide Number Placeholder 2">
+            <a:extLst>
+              <a:ext uri="{FF2B5EF4-FFF2-40B4-BE49-F238E27FC236}">
+                <a16:creationId xmlns:a16="http://schemas.microsoft.com/office/drawing/2014/main" id="{6EE29101-1F25-D1AE-BEC8-B145CF565788}"/>
+              </a:ext>
+            </a:extLst>
+          </p:cNvPr>
+          <p:cNvSpPr>
+            <a:spLocks noGrp="1"/>
+          </p:cNvSpPr>
+          <p:nvPr>
+            <p:ph type="sldNum" sz="quarter" idx="18"/>
+          </p:nvPr>
+        </p:nvSpPr>
+        <p:spPr/>
+        <p:txBody>
+          <a:bodyPr/>
+          <a:lstStyle/>
+          <a:p>
+            <a:fld id="{89578386-84DA-45F9-ABB1-FE09AA2697D8}" type="slidenum">
+              <a:rPr lang="sv-SE" smtClean="0"/>
+              <a:pPr/>
+              <a:t>6</a:t>
+            </a:fld>
+            <a:endParaRPr lang="sv-SE"/>
+          </a:p>
+        </p:txBody>
+      </p:sp>
+      <p:pic>
+        <p:nvPicPr>
+          <p:cNvPr id="8" name="Picture 7">
+            <a:extLst>
+              <a:ext uri="{FF2B5EF4-FFF2-40B4-BE49-F238E27FC236}">
+                <a16:creationId xmlns:a16="http://schemas.microsoft.com/office/drawing/2014/main" id="{AF06369B-2145-2349-5A90-7C61CD8E5B86}"/>
+              </a:ext>
+            </a:extLst>
+          </p:cNvPr>
+          <p:cNvPicPr>
+            <a:picLocks noChangeAspect="1"/>
+          </p:cNvPicPr>
+          <p:nvPr/>
+        </p:nvPicPr>
+        <p:blipFill>
+          <a:blip r:embed="rId2"/>
+          <a:stretch>
+            <a:fillRect/>
+          </a:stretch>
+        </p:blipFill>
+        <p:spPr>
+          <a:xfrm>
+            <a:off x="8322253" y="2930905"/>
+            <a:ext cx="2382189" cy="2382189"/>
+          </a:xfrm>
+          <a:prstGeom prst="rect">
+            <a:avLst/>
+          </a:prstGeom>
+        </p:spPr>
+      </p:pic>
+      <p:sp>
+        <p:nvSpPr>
+          <p:cNvPr id="10" name="TextBox 9">
+            <a:extLst>
+              <a:ext uri="{FF2B5EF4-FFF2-40B4-BE49-F238E27FC236}">
+                <a16:creationId xmlns:a16="http://schemas.microsoft.com/office/drawing/2014/main" id="{DB6AB1B9-48FE-FB63-92C6-05D0283AC4A6}"/>
+              </a:ext>
+            </a:extLst>
+          </p:cNvPr>
+          <p:cNvSpPr txBox="1"/>
+          <p:nvPr/>
+        </p:nvSpPr>
+        <p:spPr>
+          <a:xfrm>
+            <a:off x="8322253" y="5339762"/>
+            <a:ext cx="6097978" cy="369332"/>
+          </a:xfrm>
+          <a:prstGeom prst="rect">
+            <a:avLst/>
+          </a:prstGeom>
+          <a:noFill/>
+        </p:spPr>
+        <p:txBody>
+          <a:bodyPr wrap="square">
+            <a:spAutoFit/>
+          </a:bodyPr>
+          <a:lstStyle/>
+          <a:p>
+            <a:r>
+              <a:rPr lang="sv-SE" dirty="0" err="1">
+                <a:solidFill>
+                  <a:schemeClr val="bg1"/>
+                </a:solidFill>
+              </a:rPr>
+              <a:t>semweiOP</a:t>
+            </a:r>
+            <a:r>
+              <a:rPr lang="sv-SE" dirty="0">
+                <a:solidFill>
+                  <a:schemeClr val="bg1"/>
+                </a:solidFill>
+              </a:rPr>
+              <a:t>/DotNet8</a:t>
+            </a:r>
+          </a:p>
+        </p:txBody>
+      </p:sp>
+    </p:spTree>
+    <p:extLst>
+      <p:ext uri="{BB962C8B-B14F-4D97-AF65-F5344CB8AC3E}">
+        <p14:creationId xmlns:p14="http://schemas.microsoft.com/office/powerpoint/2010/main" val="2329747506"/>
+      </p:ext>
+    </p:extLst>
+  </p:cSld>
+  <p:clrMapOvr>
+    <a:masterClrMapping/>
+  </p:clrMapOvr>
+</p:sld>
+</file>
+
+<file path=ppt/tags/tag1.xml><?xml version="1.0" encoding="utf-8"?>
+<p:tagLst xmlns:a="http://schemas.openxmlformats.org/drawingml/2006/main" xmlns:r="http://schemas.openxmlformats.org/officeDocument/2006/relationships" xmlns:p="http://schemas.openxmlformats.org/presentationml/2006/main">
+  <p:tag name="SLIDO_APP_VERSION" val="1.7.1.4619"/>
+  <p:tag name="SLIDO_PRESENTATION_ID" val="00000000-0000-0000-0000-000000000000"/>
+  <p:tag name="SLIDO_EVENT_UUID" val="6e955a8a-3a82-4a9f-acf9-f64313fab520"/>
+  <p:tag name="SLIDO_EVENT_SECTION_UUID" val="8aa41c33-105c-4aa6-a17c-2dd0050ccfad"/>
+</p:tagLst>
+</file>
+
+<file path=ppt/tags/tag2.xml><?xml version="1.0" encoding="utf-8"?>
+<p:tagLst xmlns:a="http://schemas.openxmlformats.org/drawingml/2006/main" xmlns:r="http://schemas.openxmlformats.org/officeDocument/2006/relationships" xmlns:p="http://schemas.openxmlformats.org/presentationml/2006/main">
+  <p:tag name="SLIDO_METADATA" val="eyJUaW1lc3RhbXAiOjE2OTk0NTkwMDR9"/>
+  <p:tag name="SLIDO_TYPE" val="SlidoPoll"/>
+  <p:tag name="SLIDO_POLL_UUID" val="1319e26c-af84-4474-a2f3-0af39e13b0e6"/>
+  <p:tag name="SLIDO_TIMELINE" val="W3sicG9sbFF1ZXN0aW9uVXVpZCI6ImVhNTU3ZmNkLWU2NDItNDI3Ny05YTg1LTA0NGMxYzU2NjJmZSIsInNob3dSZXN1bHRzIjp0cnVlLCJzaG93Q29ycmVjdEFuc3dlcnMiOmZhbHNlLCJ2b3RpbmdMb2NrZWQiOmZhbHNlfV0="/>
+</p:tagLst>
+</file>
+
+<file path=ppt/tags/tag3.xml><?xml version="1.0" encoding="utf-8"?>
+<p:tagLst xmlns:a="http://schemas.openxmlformats.org/drawingml/2006/main" xmlns:r="http://schemas.openxmlformats.org/officeDocument/2006/relationships" xmlns:p="http://schemas.openxmlformats.org/presentationml/2006/main">
+  <p:tag name="SLIDO_ELEMENT" val="logo"/>
+</p:tagLst>
+</file>
+
+<file path=ppt/tags/tag4.xml><?xml version="1.0" encoding="utf-8"?>
+<p:tagLst xmlns:a="http://schemas.openxmlformats.org/drawingml/2006/main" xmlns:r="http://schemas.openxmlformats.org/officeDocument/2006/relationships" xmlns:p="http://schemas.openxmlformats.org/presentationml/2006/main">
+  <p:tag name="SLIDO_ELEMENT" val="interaction_image"/>
+  <p:tag name="INTERACTION_TYPE" val="Ranking"/>
+</p:tagLst>
+</file>
+
+<file path=ppt/tags/tag5.xml><?xml version="1.0" encoding="utf-8"?>
+<p:tagLst xmlns:a="http://schemas.openxmlformats.org/drawingml/2006/main" xmlns:r="http://schemas.openxmlformats.org/officeDocument/2006/relationships" xmlns:p="http://schemas.openxmlformats.org/presentationml/2006/main">
+  <p:tag name="SLIDO_ELEMENT" val="title"/>
+</p:tagLst>
+</file>
+
+<file path=ppt/tags/tag6.xml><?xml version="1.0" encoding="utf-8"?>
+<p:tagLst xmlns:a="http://schemas.openxmlformats.org/drawingml/2006/main" xmlns:r="http://schemas.openxmlformats.org/officeDocument/2006/relationships" xmlns:p="http://schemas.openxmlformats.org/presentationml/2006/main">
+  <p:tag name="SLIDO_ELEMENT" val="footer"/>
+</p:tagLst>
 </file>
 
 <file path=ppt/theme/theme1.xml><?xml version="1.0" encoding="utf-8"?>
